--- a/11/docs/Design Spec - Skip Method.pptx
+++ b/11/docs/Design Spec - Skip Method.pptx
@@ -266,7 +266,7 @@
           <a:p>
             <a:fld id="{EB16A6D6-DB6C-44FA-A13E-A0EE9734E8B9}" type="datetimeFigureOut">
               <a:rPr lang="en-US" smtClean="0"/>
-              <a:t>6/3/2021</a:t>
+              <a:t>6/4/2021</a:t>
             </a:fld>
             <a:endParaRPr lang="en-US"/>
           </a:p>
@@ -464,7 +464,7 @@
           <a:p>
             <a:fld id="{EB16A6D6-DB6C-44FA-A13E-A0EE9734E8B9}" type="datetimeFigureOut">
               <a:rPr lang="en-US" smtClean="0"/>
-              <a:t>6/3/2021</a:t>
+              <a:t>6/4/2021</a:t>
             </a:fld>
             <a:endParaRPr lang="en-US"/>
           </a:p>
@@ -672,7 +672,7 @@
           <a:p>
             <a:fld id="{EB16A6D6-DB6C-44FA-A13E-A0EE9734E8B9}" type="datetimeFigureOut">
               <a:rPr lang="en-US" smtClean="0"/>
-              <a:t>6/3/2021</a:t>
+              <a:t>6/4/2021</a:t>
             </a:fld>
             <a:endParaRPr lang="en-US"/>
           </a:p>
@@ -870,7 +870,7 @@
           <a:p>
             <a:fld id="{EB16A6D6-DB6C-44FA-A13E-A0EE9734E8B9}" type="datetimeFigureOut">
               <a:rPr lang="en-US" smtClean="0"/>
-              <a:t>6/3/2021</a:t>
+              <a:t>6/4/2021</a:t>
             </a:fld>
             <a:endParaRPr lang="en-US"/>
           </a:p>
@@ -1145,7 +1145,7 @@
           <a:p>
             <a:fld id="{EB16A6D6-DB6C-44FA-A13E-A0EE9734E8B9}" type="datetimeFigureOut">
               <a:rPr lang="en-US" smtClean="0"/>
-              <a:t>6/3/2021</a:t>
+              <a:t>6/4/2021</a:t>
             </a:fld>
             <a:endParaRPr lang="en-US"/>
           </a:p>
@@ -1410,7 +1410,7 @@
           <a:p>
             <a:fld id="{EB16A6D6-DB6C-44FA-A13E-A0EE9734E8B9}" type="datetimeFigureOut">
               <a:rPr lang="en-US" smtClean="0"/>
-              <a:t>6/3/2021</a:t>
+              <a:t>6/4/2021</a:t>
             </a:fld>
             <a:endParaRPr lang="en-US"/>
           </a:p>
@@ -1822,7 +1822,7 @@
           <a:p>
             <a:fld id="{EB16A6D6-DB6C-44FA-A13E-A0EE9734E8B9}" type="datetimeFigureOut">
               <a:rPr lang="en-US" smtClean="0"/>
-              <a:t>6/3/2021</a:t>
+              <a:t>6/4/2021</a:t>
             </a:fld>
             <a:endParaRPr lang="en-US"/>
           </a:p>
@@ -1963,7 +1963,7 @@
           <a:p>
             <a:fld id="{EB16A6D6-DB6C-44FA-A13E-A0EE9734E8B9}" type="datetimeFigureOut">
               <a:rPr lang="en-US" smtClean="0"/>
-              <a:t>6/3/2021</a:t>
+              <a:t>6/4/2021</a:t>
             </a:fld>
             <a:endParaRPr lang="en-US"/>
           </a:p>
@@ -2076,7 +2076,7 @@
           <a:p>
             <a:fld id="{EB16A6D6-DB6C-44FA-A13E-A0EE9734E8B9}" type="datetimeFigureOut">
               <a:rPr lang="en-US" smtClean="0"/>
-              <a:t>6/3/2021</a:t>
+              <a:t>6/4/2021</a:t>
             </a:fld>
             <a:endParaRPr lang="en-US"/>
           </a:p>
@@ -2387,7 +2387,7 @@
           <a:p>
             <a:fld id="{EB16A6D6-DB6C-44FA-A13E-A0EE9734E8B9}" type="datetimeFigureOut">
               <a:rPr lang="en-US" smtClean="0"/>
-              <a:t>6/3/2021</a:t>
+              <a:t>6/4/2021</a:t>
             </a:fld>
             <a:endParaRPr lang="en-US"/>
           </a:p>
@@ -2675,7 +2675,7 @@
           <a:p>
             <a:fld id="{EB16A6D6-DB6C-44FA-A13E-A0EE9734E8B9}" type="datetimeFigureOut">
               <a:rPr lang="en-US" smtClean="0"/>
-              <a:t>6/3/2021</a:t>
+              <a:t>6/4/2021</a:t>
             </a:fld>
             <a:endParaRPr lang="en-US"/>
           </a:p>
@@ -2916,7 +2916,7 @@
           <a:p>
             <a:fld id="{EB16A6D6-DB6C-44FA-A13E-A0EE9734E8B9}" type="datetimeFigureOut">
               <a:rPr lang="en-US" smtClean="0"/>
-              <a:t>6/3/2021</a:t>
+              <a:t>6/4/2021</a:t>
             </a:fld>
             <a:endParaRPr lang="en-US"/>
           </a:p>
@@ -3359,8 +3359,12 @@
               <a:t>LeetCode</a:t>
             </a:r>
             <a:r>
+              <a:rPr lang="en-US"/>
+              <a:t> #11 </a:t>
+            </a:r>
+            <a:r>
               <a:rPr lang="en-US" dirty="0"/>
-              <a:t> #1 Design Spec</a:t>
+              <a:t>Design Spec</a:t>
             </a:r>
           </a:p>
         </p:txBody>
